--- a/Baumann/Numerische Integration.pptx
+++ b/Baumann/Numerische Integration.pptx
@@ -5,10 +5,10 @@
     <p:sldMasterId id="2147483660" r:id="rId1"/>
   </p:sldMasterIdLst>
   <p:notesMasterIdLst>
-    <p:notesMasterId r:id="rId7"/>
+    <p:notesMasterId r:id="rId11"/>
   </p:notesMasterIdLst>
   <p:handoutMasterIdLst>
-    <p:handoutMasterId r:id="rId8"/>
+    <p:handoutMasterId r:id="rId12"/>
   </p:handoutMasterIdLst>
   <p:sldIdLst>
     <p:sldId id="256" r:id="rId2"/>
@@ -16,6 +16,10 @@
     <p:sldId id="258" r:id="rId4"/>
     <p:sldId id="259" r:id="rId5"/>
     <p:sldId id="260" r:id="rId6"/>
+    <p:sldId id="261" r:id="rId7"/>
+    <p:sldId id="262" r:id="rId8"/>
+    <p:sldId id="263" r:id="rId9"/>
+    <p:sldId id="264" r:id="rId10"/>
   </p:sldIdLst>
   <p:sldSz cx="12192000" cy="6858000"/>
   <p:notesSz cx="6858000" cy="9144000"/>
@@ -118,6 +122,9 @@
     <p:ext uri="{EFAFB233-063F-42B5-8137-9DF3F51BA10A}">
       <p15:sldGuideLst xmlns:p15="http://schemas.microsoft.com/office/powerpoint/2012/main"/>
     </p:ext>
+    <p:ext uri="{2D200454-40CA-4A62-9FC3-DE9A4176ACB9}">
+      <p15:notesGuideLst xmlns:p15="http://schemas.microsoft.com/office/powerpoint/2012/main"/>
+    </p:ext>
   </p:extLst>
 </p:presentation>
 </file>
@@ -204,7 +211,7 @@
           <a:p>
             <a:fld id="{583988F7-110E-44AE-8EFE-FDE47E150287}" type="datetimeFigureOut">
               <a:rPr lang="en-US" smtClean="0"/>
-              <a:t>6/8/2022</a:t>
+              <a:t>6/22/2022</a:t>
             </a:fld>
             <a:endParaRPr lang="en-US"/>
           </a:p>
@@ -369,7 +376,7 @@
           <a:p>
             <a:fld id="{91060E35-5747-48D4-B279-EC14F02A389C}" type="datetimeFigureOut">
               <a:rPr lang="en-US" smtClean="0"/>
-              <a:t>6/8/2022</a:t>
+              <a:t>6/22/2022</a:t>
             </a:fld>
             <a:endParaRPr lang="en-US"/>
           </a:p>
@@ -808,7 +815,7 @@
           <a:p>
             <a:fld id="{2BBC8FBA-B7EA-4EA2-85DB-D293291689EE}" type="datetimeFigureOut">
               <a:rPr lang="en-US" smtClean="0"/>
-              <a:t>6/8/2022</a:t>
+              <a:t>6/22/2022</a:t>
             </a:fld>
             <a:endParaRPr lang="en-US"/>
           </a:p>
@@ -1002,7 +1009,7 @@
           <a:p>
             <a:fld id="{2BBC8FBA-B7EA-4EA2-85DB-D293291689EE}" type="datetimeFigureOut">
               <a:rPr lang="en-US" smtClean="0"/>
-              <a:t>6/8/2022</a:t>
+              <a:t>6/22/2022</a:t>
             </a:fld>
             <a:endParaRPr lang="en-US"/>
           </a:p>
@@ -1206,7 +1213,7 @@
           <a:p>
             <a:fld id="{2BBC8FBA-B7EA-4EA2-85DB-D293291689EE}" type="datetimeFigureOut">
               <a:rPr lang="en-US" smtClean="0"/>
-              <a:t>6/8/2022</a:t>
+              <a:t>6/22/2022</a:t>
             </a:fld>
             <a:endParaRPr lang="en-US"/>
           </a:p>
@@ -1613,7 +1620,7 @@
           <a:p>
             <a:fld id="{2BBC8FBA-B7EA-4EA2-85DB-D293291689EE}" type="datetimeFigureOut">
               <a:rPr lang="en-US" smtClean="0"/>
-              <a:t>6/8/2022</a:t>
+              <a:t>6/22/2022</a:t>
             </a:fld>
             <a:endParaRPr lang="en-US"/>
           </a:p>
@@ -1869,7 +1876,7 @@
           <a:p>
             <a:fld id="{2BBC8FBA-B7EA-4EA2-85DB-D293291689EE}" type="datetimeFigureOut">
               <a:rPr lang="en-US" smtClean="0"/>
-              <a:t>6/8/2022</a:t>
+              <a:t>6/22/2022</a:t>
             </a:fld>
             <a:endParaRPr lang="en-US"/>
           </a:p>
@@ -2252,7 +2259,7 @@
           <a:p>
             <a:fld id="{2BBC8FBA-B7EA-4EA2-85DB-D293291689EE}" type="datetimeFigureOut">
               <a:rPr lang="en-US" smtClean="0"/>
-              <a:t>6/8/2022</a:t>
+              <a:t>6/22/2022</a:t>
             </a:fld>
             <a:endParaRPr lang="en-US"/>
           </a:p>
@@ -2417,7 +2424,7 @@
           <a:p>
             <a:fld id="{2BBC8FBA-B7EA-4EA2-85DB-D293291689EE}" type="datetimeFigureOut">
               <a:rPr lang="en-US" smtClean="0"/>
-              <a:t>6/8/2022</a:t>
+              <a:t>6/22/2022</a:t>
             </a:fld>
             <a:endParaRPr lang="en-US"/>
           </a:p>
@@ -2536,7 +2543,7 @@
           <a:p>
             <a:fld id="{2BBC8FBA-B7EA-4EA2-85DB-D293291689EE}" type="datetimeFigureOut">
               <a:rPr lang="en-US" smtClean="0"/>
-              <a:t>6/8/2022</a:t>
+              <a:t>6/22/2022</a:t>
             </a:fld>
             <a:endParaRPr lang="en-US"/>
           </a:p>
@@ -2917,7 +2924,7 @@
           <a:p>
             <a:fld id="{2BBC8FBA-B7EA-4EA2-85DB-D293291689EE}" type="datetimeFigureOut">
               <a:rPr lang="en-US" smtClean="0"/>
-              <a:t>6/8/2022</a:t>
+              <a:t>6/22/2022</a:t>
             </a:fld>
             <a:endParaRPr lang="en-US"/>
           </a:p>
@@ -3293,7 +3300,7 @@
           <a:p>
             <a:fld id="{2BBC8FBA-B7EA-4EA2-85DB-D293291689EE}" type="datetimeFigureOut">
               <a:rPr lang="en-US" smtClean="0"/>
-              <a:t>6/8/2022</a:t>
+              <a:t>6/22/2022</a:t>
             </a:fld>
             <a:endParaRPr lang="en-US"/>
           </a:p>
@@ -4080,14 +4087,8 @@
           <a:lstStyle/>
           <a:p>
             <a:r>
-              <a:rPr lang="de-DE" sz="3600" cap="none" dirty="0"/>
-              <a:t>Was ist eine Numerische Integration</a:t>
-            </a:r>
-            <a:r>
-              <a:rPr lang="de-DE" sz="3600" dirty="0">
-                <a:latin typeface="Bahnschrift" panose="020B0502040204020203" pitchFamily="34" charset="0"/>
-              </a:rPr>
-              <a:t>?</a:t>
+              <a:rPr lang="de-DE" sz="3600" cap="none" dirty="0" smtClean="0"/>
+              <a:t>Darstellung Stützstellen</a:t>
             </a:r>
             <a:endParaRPr lang="en-US" sz="3600" dirty="0"/>
           </a:p>
@@ -4334,14 +4335,562 @@
           <a:bodyPr/>
           <a:lstStyle/>
           <a:p>
-            <a:endParaRPr lang="en-US"/>
-          </a:p>
-        </p:txBody>
-      </p:sp>
+            <a:r>
+              <a:rPr lang="de-DE" dirty="0" smtClean="0"/>
+              <a:t>Wird eingesetzt wenn:</a:t>
+            </a:r>
+          </a:p>
+          <a:p>
+            <a:pPr lvl="1"/>
+            <a:r>
+              <a:rPr lang="de-DE" dirty="0" smtClean="0"/>
+              <a:t>Elementare Funktionen nicht anwendbar sind (Polynom, Logarithmus)</a:t>
+            </a:r>
+          </a:p>
+          <a:p>
+            <a:pPr lvl="1"/>
+            <a:r>
+              <a:rPr lang="de-DE" dirty="0" smtClean="0"/>
+              <a:t>Die numerische Auswertung zu komplex ist</a:t>
+            </a:r>
+          </a:p>
+          <a:p>
+            <a:pPr lvl="1"/>
+            <a:r>
+              <a:rPr lang="de-DE" dirty="0" smtClean="0"/>
+              <a:t>Der Integrand nur diskret vorliegt</a:t>
+            </a:r>
+          </a:p>
+          <a:p>
+            <a:r>
+              <a:rPr lang="de-DE" dirty="0" smtClean="0"/>
+              <a:t>Aufbau der Formel:</a:t>
+            </a:r>
+          </a:p>
+          <a:p>
+            <a:endParaRPr lang="de-DE" dirty="0"/>
+          </a:p>
+          <a:p>
+            <a:endParaRPr lang="de-DE" dirty="0" smtClean="0"/>
+          </a:p>
+          <a:p>
+            <a:endParaRPr lang="de-DE" dirty="0" smtClean="0"/>
+          </a:p>
+          <a:p>
+            <a:endParaRPr lang="de-DE" dirty="0" smtClean="0"/>
+          </a:p>
+          <a:p>
+            <a:r>
+              <a:rPr lang="de-DE" dirty="0" smtClean="0"/>
+              <a:t>Q(f) = Näherungsformel</a:t>
+            </a:r>
+            <a:r>
+              <a:rPr lang="en-US" dirty="0"/>
+              <a:t>	</a:t>
+            </a:r>
+            <a:r>
+              <a:rPr lang="en-US" dirty="0" smtClean="0"/>
+              <a:t>E(f) = </a:t>
+            </a:r>
+            <a:r>
+              <a:rPr lang="en-US" dirty="0" err="1" smtClean="0"/>
+              <a:t>Fehlerwert</a:t>
+            </a:r>
+            <a:endParaRPr lang="de-DE" dirty="0" smtClean="0"/>
+          </a:p>
+        </p:txBody>
+      </p:sp>
+      <p:pic>
+        <p:nvPicPr>
+          <p:cNvPr id="4" name="Grafik 3"/>
+          <p:cNvPicPr/>
+          <p:nvPr/>
+        </p:nvPicPr>
+        <p:blipFill>
+          <a:blip r:embed="rId2">
+            <a:extLst>
+              <a:ext uri="{28A0092B-C50C-407E-A947-70E740481C1C}">
+                <a14:useLocalDpi xmlns:a14="http://schemas.microsoft.com/office/drawing/2010/main" val="0"/>
+              </a:ext>
+            </a:extLst>
+          </a:blip>
+          <a:stretch>
+            <a:fillRect/>
+          </a:stretch>
+        </p:blipFill>
+        <p:spPr>
+          <a:xfrm>
+            <a:off x="350153" y="3501572"/>
+            <a:ext cx="6393546" cy="1567542"/>
+          </a:xfrm>
+          <a:prstGeom prst="rect">
+            <a:avLst/>
+          </a:prstGeom>
+          <a:ln>
+            <a:solidFill>
+              <a:schemeClr val="tx1"/>
+            </a:solidFill>
+          </a:ln>
+        </p:spPr>
+      </p:pic>
     </p:spTree>
     <p:extLst>
       <p:ext uri="{BB962C8B-B14F-4D97-AF65-F5344CB8AC3E}">
         <p14:creationId xmlns:p14="http://schemas.microsoft.com/office/powerpoint/2010/main" val="1947154370"/>
+      </p:ext>
+    </p:extLst>
+  </p:cSld>
+  <p:clrMapOvr>
+    <a:masterClrMapping/>
+  </p:clrMapOvr>
+</p:sld>
+</file>
+
+<file path=ppt/slides/slide6.xml><?xml version="1.0" encoding="utf-8"?>
+<p:sld xmlns:a="http://schemas.openxmlformats.org/drawingml/2006/main" xmlns:r="http://schemas.openxmlformats.org/officeDocument/2006/relationships" xmlns:p="http://schemas.openxmlformats.org/presentationml/2006/main">
+  <p:cSld>
+    <p:spTree>
+      <p:nvGrpSpPr>
+        <p:cNvPr id="1" name=""/>
+        <p:cNvGrpSpPr/>
+        <p:nvPr/>
+      </p:nvGrpSpPr>
+      <p:grpSpPr>
+        <a:xfrm>
+          <a:off x="0" y="0"/>
+          <a:ext cx="0" cy="0"/>
+          <a:chOff x="0" y="0"/>
+          <a:chExt cx="0" cy="0"/>
+        </a:xfrm>
+      </p:grpSpPr>
+      <p:sp>
+        <p:nvSpPr>
+          <p:cNvPr id="2" name="Titel 1"/>
+          <p:cNvSpPr>
+            <a:spLocks noGrp="1"/>
+          </p:cNvSpPr>
+          <p:nvPr>
+            <p:ph type="title"/>
+          </p:nvPr>
+        </p:nvSpPr>
+        <p:spPr/>
+        <p:txBody>
+          <a:bodyPr/>
+          <a:lstStyle/>
+          <a:p>
+            <a:r>
+              <a:rPr lang="de-DE" cap="none" dirty="0" smtClean="0"/>
+              <a:t>Bekannteste </a:t>
+            </a:r>
+            <a:r>
+              <a:rPr lang="de-DE" cap="none" dirty="0" err="1" smtClean="0"/>
+              <a:t>Quadraturformeln</a:t>
+            </a:r>
+            <a:endParaRPr lang="en-US" cap="none" dirty="0"/>
+          </a:p>
+        </p:txBody>
+      </p:sp>
+      <p:sp>
+        <p:nvSpPr>
+          <p:cNvPr id="3" name="Inhaltsplatzhalter 2"/>
+          <p:cNvSpPr>
+            <a:spLocks noGrp="1"/>
+          </p:cNvSpPr>
+          <p:nvPr>
+            <p:ph idx="1"/>
+          </p:nvPr>
+        </p:nvSpPr>
+        <p:spPr/>
+        <p:txBody>
+          <a:bodyPr>
+            <a:normAutofit/>
+          </a:bodyPr>
+          <a:lstStyle/>
+          <a:p>
+            <a:r>
+              <a:rPr lang="de-DE" sz="2400" dirty="0" err="1" smtClean="0"/>
+              <a:t>Interpolarische</a:t>
+            </a:r>
+            <a:r>
+              <a:rPr lang="de-DE" sz="2400" dirty="0" smtClean="0"/>
+              <a:t> Quadraturformel</a:t>
+            </a:r>
+          </a:p>
+          <a:p>
+            <a:endParaRPr lang="de-DE" sz="2400" dirty="0"/>
+          </a:p>
+          <a:p>
+            <a:r>
+              <a:rPr lang="de-DE" sz="2400" dirty="0" smtClean="0"/>
+              <a:t>Gauß-Quadratur</a:t>
+            </a:r>
+          </a:p>
+          <a:p>
+            <a:endParaRPr lang="de-DE" sz="2400" dirty="0"/>
+          </a:p>
+          <a:p>
+            <a:r>
+              <a:rPr lang="de-DE" sz="2400" dirty="0" err="1" smtClean="0"/>
+              <a:t>Rombergsche</a:t>
+            </a:r>
+            <a:r>
+              <a:rPr lang="de-DE" sz="2400" dirty="0" smtClean="0"/>
+              <a:t> Extrapolationsverfahren</a:t>
+            </a:r>
+          </a:p>
+          <a:p>
+            <a:endParaRPr lang="de-DE" sz="2400" dirty="0"/>
+          </a:p>
+          <a:p>
+            <a:r>
+              <a:rPr lang="de-DE" sz="2400" dirty="0" smtClean="0"/>
+              <a:t>Monte-Carlo-Integration</a:t>
+            </a:r>
+            <a:endParaRPr lang="en-US" sz="2400" dirty="0"/>
+          </a:p>
+        </p:txBody>
+      </p:sp>
+    </p:spTree>
+    <p:extLst>
+      <p:ext uri="{BB962C8B-B14F-4D97-AF65-F5344CB8AC3E}">
+        <p14:creationId xmlns:p14="http://schemas.microsoft.com/office/powerpoint/2010/main" val="917536535"/>
+      </p:ext>
+    </p:extLst>
+  </p:cSld>
+  <p:clrMapOvr>
+    <a:masterClrMapping/>
+  </p:clrMapOvr>
+</p:sld>
+</file>
+
+<file path=ppt/slides/slide7.xml><?xml version="1.0" encoding="utf-8"?>
+<p:sld xmlns:a="http://schemas.openxmlformats.org/drawingml/2006/main" xmlns:r="http://schemas.openxmlformats.org/officeDocument/2006/relationships" xmlns:p="http://schemas.openxmlformats.org/presentationml/2006/main">
+  <p:cSld>
+    <p:spTree>
+      <p:nvGrpSpPr>
+        <p:cNvPr id="1" name=""/>
+        <p:cNvGrpSpPr/>
+        <p:nvPr/>
+      </p:nvGrpSpPr>
+      <p:grpSpPr>
+        <a:xfrm>
+          <a:off x="0" y="0"/>
+          <a:ext cx="0" cy="0"/>
+          <a:chOff x="0" y="0"/>
+          <a:chExt cx="0" cy="0"/>
+        </a:xfrm>
+      </p:grpSpPr>
+      <p:sp>
+        <p:nvSpPr>
+          <p:cNvPr id="2" name="Titel 1"/>
+          <p:cNvSpPr>
+            <a:spLocks noGrp="1"/>
+          </p:cNvSpPr>
+          <p:nvPr>
+            <p:ph type="title"/>
+          </p:nvPr>
+        </p:nvSpPr>
+        <p:spPr/>
+        <p:txBody>
+          <a:bodyPr/>
+          <a:lstStyle/>
+          <a:p>
+            <a:r>
+              <a:rPr lang="de-DE" cap="none" dirty="0" smtClean="0"/>
+              <a:t>Übung zum Zählverfahren</a:t>
+            </a:r>
+            <a:endParaRPr lang="en-US" cap="none" dirty="0"/>
+          </a:p>
+        </p:txBody>
+      </p:sp>
+      <p:sp>
+        <p:nvSpPr>
+          <p:cNvPr id="3" name="Inhaltsplatzhalter 2"/>
+          <p:cNvSpPr>
+            <a:spLocks noGrp="1"/>
+          </p:cNvSpPr>
+          <p:nvPr>
+            <p:ph idx="1"/>
+          </p:nvPr>
+        </p:nvSpPr>
+        <p:spPr/>
+        <p:txBody>
+          <a:bodyPr/>
+          <a:lstStyle/>
+          <a:p>
+            <a:r>
+              <a:rPr lang="de-DE" dirty="0" smtClean="0"/>
+              <a:t>Berechne die Fläche der Integralen A und B</a:t>
+            </a:r>
+          </a:p>
+          <a:p>
+            <a:r>
+              <a:rPr lang="de-DE" dirty="0" smtClean="0"/>
+              <a:t>Beachte, Kästchen durch die die Funktion verläuft werden als halbe Quadratmillimeter gezählt</a:t>
+            </a:r>
+          </a:p>
+          <a:p>
+            <a:pPr marL="0" indent="0">
+              <a:buNone/>
+            </a:pPr>
+            <a:endParaRPr lang="en-US" dirty="0"/>
+          </a:p>
+        </p:txBody>
+      </p:sp>
+      <p:pic>
+        <p:nvPicPr>
+          <p:cNvPr id="4" name="Grafik 3"/>
+          <p:cNvPicPr>
+            <a:picLocks noChangeAspect="1"/>
+          </p:cNvPicPr>
+          <p:nvPr/>
+        </p:nvPicPr>
+        <p:blipFill>
+          <a:blip r:embed="rId2">
+            <a:extLst>
+              <a:ext uri="{28A0092B-C50C-407E-A947-70E740481C1C}">
+                <a14:useLocalDpi xmlns:a14="http://schemas.microsoft.com/office/drawing/2010/main" val="0"/>
+              </a:ext>
+            </a:extLst>
+          </a:blip>
+          <a:stretch>
+            <a:fillRect/>
+          </a:stretch>
+        </p:blipFill>
+        <p:spPr>
+          <a:xfrm>
+            <a:off x="1624661" y="2273300"/>
+            <a:ext cx="7418678" cy="4467064"/>
+          </a:xfrm>
+          <a:prstGeom prst="rect">
+            <a:avLst/>
+          </a:prstGeom>
+        </p:spPr>
+      </p:pic>
+    </p:spTree>
+    <p:extLst>
+      <p:ext uri="{BB962C8B-B14F-4D97-AF65-F5344CB8AC3E}">
+        <p14:creationId xmlns:p14="http://schemas.microsoft.com/office/powerpoint/2010/main" val="3558997123"/>
+      </p:ext>
+    </p:extLst>
+  </p:cSld>
+  <p:clrMapOvr>
+    <a:masterClrMapping/>
+  </p:clrMapOvr>
+</p:sld>
+</file>
+
+<file path=ppt/slides/slide8.xml><?xml version="1.0" encoding="utf-8"?>
+<p:sld xmlns:a="http://schemas.openxmlformats.org/drawingml/2006/main" xmlns:r="http://schemas.openxmlformats.org/officeDocument/2006/relationships" xmlns:p="http://schemas.openxmlformats.org/presentationml/2006/main">
+  <p:cSld>
+    <p:spTree>
+      <p:nvGrpSpPr>
+        <p:cNvPr id="1" name=""/>
+        <p:cNvGrpSpPr/>
+        <p:nvPr/>
+      </p:nvGrpSpPr>
+      <p:grpSpPr>
+        <a:xfrm>
+          <a:off x="0" y="0"/>
+          <a:ext cx="0" cy="0"/>
+          <a:chOff x="0" y="0"/>
+          <a:chExt cx="0" cy="0"/>
+        </a:xfrm>
+      </p:grpSpPr>
+      <p:sp>
+        <p:nvSpPr>
+          <p:cNvPr id="2" name="Titel 1"/>
+          <p:cNvSpPr>
+            <a:spLocks noGrp="1"/>
+          </p:cNvSpPr>
+          <p:nvPr>
+            <p:ph type="title"/>
+          </p:nvPr>
+        </p:nvSpPr>
+        <p:spPr/>
+        <p:txBody>
+          <a:bodyPr/>
+          <a:lstStyle/>
+          <a:p>
+            <a:r>
+              <a:rPr lang="de-DE" cap="none" dirty="0" smtClean="0"/>
+              <a:t>Lösung</a:t>
+            </a:r>
+            <a:endParaRPr lang="en-US" cap="none" dirty="0"/>
+          </a:p>
+        </p:txBody>
+      </p:sp>
+      <p:sp>
+        <p:nvSpPr>
+          <p:cNvPr id="3" name="Inhaltsplatzhalter 2"/>
+          <p:cNvSpPr>
+            <a:spLocks noGrp="1"/>
+          </p:cNvSpPr>
+          <p:nvPr>
+            <p:ph idx="1"/>
+          </p:nvPr>
+        </p:nvSpPr>
+        <p:spPr/>
+        <p:txBody>
+          <a:bodyPr>
+            <a:normAutofit/>
+          </a:bodyPr>
+          <a:lstStyle/>
+          <a:p>
+            <a:r>
+              <a:rPr lang="de-DE" sz="2400" dirty="0" smtClean="0"/>
+              <a:t>Fläche A: 737 mm</a:t>
+            </a:r>
+            <a:r>
+              <a:rPr lang="de-DE" sz="2400" baseline="30000" dirty="0" smtClean="0"/>
+              <a:t>2</a:t>
+            </a:r>
+            <a:endParaRPr lang="de-DE" sz="2400" dirty="0" smtClean="0"/>
+          </a:p>
+          <a:p>
+            <a:r>
+              <a:rPr lang="de-DE" sz="2400" dirty="0" smtClean="0"/>
+              <a:t>Fläche B: 641 mm</a:t>
+            </a:r>
+            <a:r>
+              <a:rPr lang="de-DE" sz="2400" baseline="30000" dirty="0" smtClean="0"/>
+              <a:t>2</a:t>
+            </a:r>
+          </a:p>
+          <a:p>
+            <a:pPr marL="0" indent="0">
+              <a:buNone/>
+            </a:pPr>
+            <a:endParaRPr lang="en-US" sz="2400" baseline="30000" dirty="0"/>
+          </a:p>
+        </p:txBody>
+      </p:sp>
+      <p:pic>
+        <p:nvPicPr>
+          <p:cNvPr id="4" name="Grafik 3"/>
+          <p:cNvPicPr>
+            <a:picLocks noChangeAspect="1"/>
+          </p:cNvPicPr>
+          <p:nvPr/>
+        </p:nvPicPr>
+        <p:blipFill>
+          <a:blip r:embed="rId2">
+            <a:extLst>
+              <a:ext uri="{28A0092B-C50C-407E-A947-70E740481C1C}">
+                <a14:useLocalDpi xmlns:a14="http://schemas.microsoft.com/office/drawing/2010/main" val="0"/>
+              </a:ext>
+            </a:extLst>
+          </a:blip>
+          <a:stretch>
+            <a:fillRect/>
+          </a:stretch>
+        </p:blipFill>
+        <p:spPr>
+          <a:xfrm>
+            <a:off x="2921156" y="1509486"/>
+            <a:ext cx="8915088" cy="5321352"/>
+          </a:xfrm>
+          <a:prstGeom prst="rect">
+            <a:avLst/>
+          </a:prstGeom>
+        </p:spPr>
+      </p:pic>
+    </p:spTree>
+    <p:extLst>
+      <p:ext uri="{BB962C8B-B14F-4D97-AF65-F5344CB8AC3E}">
+        <p14:creationId xmlns:p14="http://schemas.microsoft.com/office/powerpoint/2010/main" val="1295617618"/>
+      </p:ext>
+    </p:extLst>
+  </p:cSld>
+  <p:clrMapOvr>
+    <a:masterClrMapping/>
+  </p:clrMapOvr>
+</p:sld>
+</file>
+
+<file path=ppt/slides/slide9.xml><?xml version="1.0" encoding="utf-8"?>
+<p:sld xmlns:a="http://schemas.openxmlformats.org/drawingml/2006/main" xmlns:r="http://schemas.openxmlformats.org/officeDocument/2006/relationships" xmlns:p="http://schemas.openxmlformats.org/presentationml/2006/main">
+  <p:cSld>
+    <p:spTree>
+      <p:nvGrpSpPr>
+        <p:cNvPr id="1" name=""/>
+        <p:cNvGrpSpPr/>
+        <p:nvPr/>
+      </p:nvGrpSpPr>
+      <p:grpSpPr>
+        <a:xfrm>
+          <a:off x="0" y="0"/>
+          <a:ext cx="0" cy="0"/>
+          <a:chOff x="0" y="0"/>
+          <a:chExt cx="0" cy="0"/>
+        </a:xfrm>
+      </p:grpSpPr>
+      <p:sp>
+        <p:nvSpPr>
+          <p:cNvPr id="2" name="Titel 1"/>
+          <p:cNvSpPr>
+            <a:spLocks noGrp="1"/>
+          </p:cNvSpPr>
+          <p:nvPr>
+            <p:ph type="title"/>
+          </p:nvPr>
+        </p:nvSpPr>
+        <p:spPr/>
+        <p:txBody>
+          <a:bodyPr/>
+          <a:lstStyle/>
+          <a:p>
+            <a:r>
+              <a:rPr lang="de-DE" cap="none" dirty="0" smtClean="0"/>
+              <a:t>Quellen</a:t>
+            </a:r>
+            <a:endParaRPr lang="en-US" cap="none" dirty="0"/>
+          </a:p>
+        </p:txBody>
+      </p:sp>
+      <p:sp>
+        <p:nvSpPr>
+          <p:cNvPr id="3" name="Inhaltsplatzhalter 2"/>
+          <p:cNvSpPr>
+            <a:spLocks noGrp="1"/>
+          </p:cNvSpPr>
+          <p:nvPr>
+            <p:ph idx="1"/>
+          </p:nvPr>
+        </p:nvSpPr>
+        <p:spPr/>
+        <p:txBody>
+          <a:bodyPr>
+            <a:normAutofit/>
+          </a:bodyPr>
+          <a:lstStyle/>
+          <a:p>
+            <a:r>
+              <a:rPr lang="en-US" sz="2800" dirty="0">
+                <a:hlinkClick r:id="rId2"/>
+              </a:rPr>
+              <a:t>https://</a:t>
+            </a:r>
+            <a:r>
+              <a:rPr lang="en-US" sz="2800" dirty="0" smtClean="0">
+                <a:hlinkClick r:id="rId2"/>
+              </a:rPr>
+              <a:t>de.wikipedia.org/wiki/Numerische_Integration</a:t>
+            </a:r>
+            <a:endParaRPr lang="en-US" sz="2800" dirty="0" smtClean="0"/>
+          </a:p>
+          <a:p>
+            <a:r>
+              <a:rPr lang="en-US" sz="2800" dirty="0"/>
+              <a:t>https://www.sofatutor.at/mathematik/funktionen/integralrechnung/numerische-integrationsverfahren</a:t>
+            </a:r>
+          </a:p>
+        </p:txBody>
+      </p:sp>
+    </p:spTree>
+    <p:extLst>
+      <p:ext uri="{BB962C8B-B14F-4D97-AF65-F5344CB8AC3E}">
+        <p14:creationId xmlns:p14="http://schemas.microsoft.com/office/powerpoint/2010/main" val="2066498153"/>
       </p:ext>
     </p:extLst>
   </p:cSld>
